--- a/builds/Arduino-shield-circuit-board.pptx
+++ b/builds/Arduino-shield-circuit-board.pptx
@@ -251,7 +251,7 @@
           <a:p>
             <a:fld id="{335F4E94-ADA5-4952-B4DB-EFBB58BCFC17}" type="datetimeFigureOut">
               <a:rPr lang="en-US" smtClean="0"/>
-              <a:t>8/14/2024</a:t>
+              <a:t>8/15/2024</a:t>
             </a:fld>
             <a:endParaRPr lang="en-US"/>
           </a:p>
@@ -421,7 +421,7 @@
           <a:p>
             <a:fld id="{335F4E94-ADA5-4952-B4DB-EFBB58BCFC17}" type="datetimeFigureOut">
               <a:rPr lang="en-US" smtClean="0"/>
-              <a:t>8/14/2024</a:t>
+              <a:t>8/15/2024</a:t>
             </a:fld>
             <a:endParaRPr lang="en-US"/>
           </a:p>
@@ -601,7 +601,7 @@
           <a:p>
             <a:fld id="{335F4E94-ADA5-4952-B4DB-EFBB58BCFC17}" type="datetimeFigureOut">
               <a:rPr lang="en-US" smtClean="0"/>
-              <a:t>8/14/2024</a:t>
+              <a:t>8/15/2024</a:t>
             </a:fld>
             <a:endParaRPr lang="en-US"/>
           </a:p>
@@ -771,7 +771,7 @@
           <a:p>
             <a:fld id="{335F4E94-ADA5-4952-B4DB-EFBB58BCFC17}" type="datetimeFigureOut">
               <a:rPr lang="en-US" smtClean="0"/>
-              <a:t>8/14/2024</a:t>
+              <a:t>8/15/2024</a:t>
             </a:fld>
             <a:endParaRPr lang="en-US"/>
           </a:p>
@@ -1015,7 +1015,7 @@
           <a:p>
             <a:fld id="{335F4E94-ADA5-4952-B4DB-EFBB58BCFC17}" type="datetimeFigureOut">
               <a:rPr lang="en-US" smtClean="0"/>
-              <a:t>8/14/2024</a:t>
+              <a:t>8/15/2024</a:t>
             </a:fld>
             <a:endParaRPr lang="en-US"/>
           </a:p>
@@ -1247,7 +1247,7 @@
           <a:p>
             <a:fld id="{335F4E94-ADA5-4952-B4DB-EFBB58BCFC17}" type="datetimeFigureOut">
               <a:rPr lang="en-US" smtClean="0"/>
-              <a:t>8/14/2024</a:t>
+              <a:t>8/15/2024</a:t>
             </a:fld>
             <a:endParaRPr lang="en-US"/>
           </a:p>
@@ -1614,7 +1614,7 @@
           <a:p>
             <a:fld id="{335F4E94-ADA5-4952-B4DB-EFBB58BCFC17}" type="datetimeFigureOut">
               <a:rPr lang="en-US" smtClean="0"/>
-              <a:t>8/14/2024</a:t>
+              <a:t>8/15/2024</a:t>
             </a:fld>
             <a:endParaRPr lang="en-US"/>
           </a:p>
@@ -1732,7 +1732,7 @@
           <a:p>
             <a:fld id="{335F4E94-ADA5-4952-B4DB-EFBB58BCFC17}" type="datetimeFigureOut">
               <a:rPr lang="en-US" smtClean="0"/>
-              <a:t>8/14/2024</a:t>
+              <a:t>8/15/2024</a:t>
             </a:fld>
             <a:endParaRPr lang="en-US"/>
           </a:p>
@@ -1827,7 +1827,7 @@
           <a:p>
             <a:fld id="{335F4E94-ADA5-4952-B4DB-EFBB58BCFC17}" type="datetimeFigureOut">
               <a:rPr lang="en-US" smtClean="0"/>
-              <a:t>8/14/2024</a:t>
+              <a:t>8/15/2024</a:t>
             </a:fld>
             <a:endParaRPr lang="en-US"/>
           </a:p>
@@ -2104,7 +2104,7 @@
           <a:p>
             <a:fld id="{335F4E94-ADA5-4952-B4DB-EFBB58BCFC17}" type="datetimeFigureOut">
               <a:rPr lang="en-US" smtClean="0"/>
-              <a:t>8/14/2024</a:t>
+              <a:t>8/15/2024</a:t>
             </a:fld>
             <a:endParaRPr lang="en-US"/>
           </a:p>
@@ -2361,7 +2361,7 @@
           <a:p>
             <a:fld id="{335F4E94-ADA5-4952-B4DB-EFBB58BCFC17}" type="datetimeFigureOut">
               <a:rPr lang="en-US" smtClean="0"/>
-              <a:t>8/14/2024</a:t>
+              <a:t>8/15/2024</a:t>
             </a:fld>
             <a:endParaRPr lang="en-US"/>
           </a:p>
@@ -2574,7 +2574,7 @@
           <a:p>
             <a:fld id="{335F4E94-ADA5-4952-B4DB-EFBB58BCFC17}" type="datetimeFigureOut">
               <a:rPr lang="en-US" smtClean="0"/>
-              <a:t>8/14/2024</a:t>
+              <a:t>8/15/2024</a:t>
             </a:fld>
             <a:endParaRPr lang="en-US"/>
           </a:p>

--- a/builds/Arduino-shield-circuit-board.pptx
+++ b/builds/Arduino-shield-circuit-board.pptx
@@ -11,9 +11,7 @@
     <p:sldId id="257" r:id="rId5"/>
     <p:sldId id="258" r:id="rId6"/>
     <p:sldId id="261" r:id="rId7"/>
-    <p:sldId id="264" r:id="rId8"/>
-    <p:sldId id="265" r:id="rId9"/>
-    <p:sldId id="259" r:id="rId10"/>
+    <p:sldId id="259" r:id="rId8"/>
   </p:sldIdLst>
   <p:sldSz cx="9144000" cy="6858000" type="screen4x3"/>
   <p:notesSz cx="6858000" cy="9144000"/>
@@ -251,7 +249,7 @@
           <a:p>
             <a:fld id="{335F4E94-ADA5-4952-B4DB-EFBB58BCFC17}" type="datetimeFigureOut">
               <a:rPr lang="en-US" smtClean="0"/>
-              <a:t>8/15/2024</a:t>
+              <a:t>8/27/2024</a:t>
             </a:fld>
             <a:endParaRPr lang="en-US"/>
           </a:p>
@@ -421,7 +419,7 @@
           <a:p>
             <a:fld id="{335F4E94-ADA5-4952-B4DB-EFBB58BCFC17}" type="datetimeFigureOut">
               <a:rPr lang="en-US" smtClean="0"/>
-              <a:t>8/15/2024</a:t>
+              <a:t>8/27/2024</a:t>
             </a:fld>
             <a:endParaRPr lang="en-US"/>
           </a:p>
@@ -601,7 +599,7 @@
           <a:p>
             <a:fld id="{335F4E94-ADA5-4952-B4DB-EFBB58BCFC17}" type="datetimeFigureOut">
               <a:rPr lang="en-US" smtClean="0"/>
-              <a:t>8/15/2024</a:t>
+              <a:t>8/27/2024</a:t>
             </a:fld>
             <a:endParaRPr lang="en-US"/>
           </a:p>
@@ -771,7 +769,7 @@
           <a:p>
             <a:fld id="{335F4E94-ADA5-4952-B4DB-EFBB58BCFC17}" type="datetimeFigureOut">
               <a:rPr lang="en-US" smtClean="0"/>
-              <a:t>8/15/2024</a:t>
+              <a:t>8/27/2024</a:t>
             </a:fld>
             <a:endParaRPr lang="en-US"/>
           </a:p>
@@ -1015,7 +1013,7 @@
           <a:p>
             <a:fld id="{335F4E94-ADA5-4952-B4DB-EFBB58BCFC17}" type="datetimeFigureOut">
               <a:rPr lang="en-US" smtClean="0"/>
-              <a:t>8/15/2024</a:t>
+              <a:t>8/27/2024</a:t>
             </a:fld>
             <a:endParaRPr lang="en-US"/>
           </a:p>
@@ -1247,7 +1245,7 @@
           <a:p>
             <a:fld id="{335F4E94-ADA5-4952-B4DB-EFBB58BCFC17}" type="datetimeFigureOut">
               <a:rPr lang="en-US" smtClean="0"/>
-              <a:t>8/15/2024</a:t>
+              <a:t>8/27/2024</a:t>
             </a:fld>
             <a:endParaRPr lang="en-US"/>
           </a:p>
@@ -1614,7 +1612,7 @@
           <a:p>
             <a:fld id="{335F4E94-ADA5-4952-B4DB-EFBB58BCFC17}" type="datetimeFigureOut">
               <a:rPr lang="en-US" smtClean="0"/>
-              <a:t>8/15/2024</a:t>
+              <a:t>8/27/2024</a:t>
             </a:fld>
             <a:endParaRPr lang="en-US"/>
           </a:p>
@@ -1732,7 +1730,7 @@
           <a:p>
             <a:fld id="{335F4E94-ADA5-4952-B4DB-EFBB58BCFC17}" type="datetimeFigureOut">
               <a:rPr lang="en-US" smtClean="0"/>
-              <a:t>8/15/2024</a:t>
+              <a:t>8/27/2024</a:t>
             </a:fld>
             <a:endParaRPr lang="en-US"/>
           </a:p>
@@ -1827,7 +1825,7 @@
           <a:p>
             <a:fld id="{335F4E94-ADA5-4952-B4DB-EFBB58BCFC17}" type="datetimeFigureOut">
               <a:rPr lang="en-US" smtClean="0"/>
-              <a:t>8/15/2024</a:t>
+              <a:t>8/27/2024</a:t>
             </a:fld>
             <a:endParaRPr lang="en-US"/>
           </a:p>
@@ -2104,7 +2102,7 @@
           <a:p>
             <a:fld id="{335F4E94-ADA5-4952-B4DB-EFBB58BCFC17}" type="datetimeFigureOut">
               <a:rPr lang="en-US" smtClean="0"/>
-              <a:t>8/15/2024</a:t>
+              <a:t>8/27/2024</a:t>
             </a:fld>
             <a:endParaRPr lang="en-US"/>
           </a:p>
@@ -2361,7 +2359,7 @@
           <a:p>
             <a:fld id="{335F4E94-ADA5-4952-B4DB-EFBB58BCFC17}" type="datetimeFigureOut">
               <a:rPr lang="en-US" smtClean="0"/>
-              <a:t>8/15/2024</a:t>
+              <a:t>8/27/2024</a:t>
             </a:fld>
             <a:endParaRPr lang="en-US"/>
           </a:p>
@@ -2574,7 +2572,7 @@
           <a:p>
             <a:fld id="{335F4E94-ADA5-4952-B4DB-EFBB58BCFC17}" type="datetimeFigureOut">
               <a:rPr lang="en-US" smtClean="0"/>
-              <a:t>8/15/2024</a:t>
+              <a:t>8/27/2024</a:t>
             </a:fld>
             <a:endParaRPr lang="en-US"/>
           </a:p>
@@ -4713,137 +4711,6 @@
           <a:chExt cx="0" cy="0"/>
         </a:xfrm>
       </p:grpSpPr>
-      <p:pic>
-        <p:nvPicPr>
-          <p:cNvPr id="11" name="Picture 10" descr="Diagram&#10;&#10;Description automatically generated">
-            <a:extLst>
-              <a:ext uri="{FF2B5EF4-FFF2-40B4-BE49-F238E27FC236}">
-                <a16:creationId xmlns:a16="http://schemas.microsoft.com/office/drawing/2014/main" id="{B1AD92C6-E857-B3BB-1009-685C14BBB2A6}"/>
-              </a:ext>
-            </a:extLst>
-          </p:cNvPr>
-          <p:cNvPicPr>
-            <a:picLocks noChangeAspect="1"/>
-          </p:cNvPicPr>
-          <p:nvPr/>
-        </p:nvPicPr>
-        <p:blipFill rotWithShape="1">
-          <a:blip r:embed="rId2">
-            <a:extLst>
-              <a:ext uri="{28A0092B-C50C-407E-A947-70E740481C1C}">
-                <a14:useLocalDpi xmlns:a14="http://schemas.microsoft.com/office/drawing/2010/main" val="0"/>
-              </a:ext>
-            </a:extLst>
-          </a:blip>
-          <a:srcRect l="5194" t="16769" r="26221" b="5325"/>
-          <a:stretch/>
-        </p:blipFill>
-        <p:spPr>
-          <a:xfrm>
-            <a:off x="1618466" y="794865"/>
-            <a:ext cx="5498771" cy="4867191"/>
-          </a:xfrm>
-          <a:prstGeom prst="rect">
-            <a:avLst/>
-          </a:prstGeom>
-        </p:spPr>
-      </p:pic>
-    </p:spTree>
-    <p:extLst>
-      <p:ext uri="{BB962C8B-B14F-4D97-AF65-F5344CB8AC3E}">
-        <p14:creationId xmlns:p14="http://schemas.microsoft.com/office/powerpoint/2010/main" val="121402078"/>
-      </p:ext>
-    </p:extLst>
-  </p:cSld>
-  <p:clrMapOvr>
-    <a:masterClrMapping/>
-  </p:clrMapOvr>
-</p:sld>
-</file>
-
-<file path=ppt/slides/slide8.xml><?xml version="1.0" encoding="utf-8"?>
-<p:sld xmlns:a="http://schemas.openxmlformats.org/drawingml/2006/main" xmlns:r="http://schemas.openxmlformats.org/officeDocument/2006/relationships" xmlns:p="http://schemas.openxmlformats.org/presentationml/2006/main">
-  <p:cSld>
-    <p:spTree>
-      <p:nvGrpSpPr>
-        <p:cNvPr id="1" name=""/>
-        <p:cNvGrpSpPr/>
-        <p:nvPr/>
-      </p:nvGrpSpPr>
-      <p:grpSpPr>
-        <a:xfrm>
-          <a:off x="0" y="0"/>
-          <a:ext cx="0" cy="0"/>
-          <a:chOff x="0" y="0"/>
-          <a:chExt cx="0" cy="0"/>
-        </a:xfrm>
-      </p:grpSpPr>
-      <p:pic>
-        <p:nvPicPr>
-          <p:cNvPr id="5" name="Picture 4" descr="Diagram, schematic&#10;&#10;Description automatically generated">
-            <a:extLst>
-              <a:ext uri="{FF2B5EF4-FFF2-40B4-BE49-F238E27FC236}">
-                <a16:creationId xmlns:a16="http://schemas.microsoft.com/office/drawing/2014/main" id="{A8F1702F-E6E9-9895-335B-71C6520440FE}"/>
-              </a:ext>
-            </a:extLst>
-          </p:cNvPr>
-          <p:cNvPicPr>
-            <a:picLocks noChangeAspect="1"/>
-          </p:cNvPicPr>
-          <p:nvPr/>
-        </p:nvPicPr>
-        <p:blipFill>
-          <a:blip r:embed="rId2">
-            <a:extLst>
-              <a:ext uri="{28A0092B-C50C-407E-A947-70E740481C1C}">
-                <a14:useLocalDpi xmlns:a14="http://schemas.microsoft.com/office/drawing/2010/main" val="0"/>
-              </a:ext>
-            </a:extLst>
-          </a:blip>
-          <a:stretch>
-            <a:fillRect/>
-          </a:stretch>
-        </p:blipFill>
-        <p:spPr>
-          <a:xfrm>
-            <a:off x="1362862" y="789846"/>
-            <a:ext cx="6418275" cy="4883287"/>
-          </a:xfrm>
-          <a:prstGeom prst="rect">
-            <a:avLst/>
-          </a:prstGeom>
-        </p:spPr>
-      </p:pic>
-    </p:spTree>
-    <p:extLst>
-      <p:ext uri="{BB962C8B-B14F-4D97-AF65-F5344CB8AC3E}">
-        <p14:creationId xmlns:p14="http://schemas.microsoft.com/office/powerpoint/2010/main" val="406660692"/>
-      </p:ext>
-    </p:extLst>
-  </p:cSld>
-  <p:clrMapOvr>
-    <a:masterClrMapping/>
-  </p:clrMapOvr>
-</p:sld>
-</file>
-
-<file path=ppt/slides/slide9.xml><?xml version="1.0" encoding="utf-8"?>
-<p:sld xmlns:a="http://schemas.openxmlformats.org/drawingml/2006/main" xmlns:r="http://schemas.openxmlformats.org/officeDocument/2006/relationships" xmlns:p="http://schemas.openxmlformats.org/presentationml/2006/main">
-  <p:cSld>
-    <p:spTree>
-      <p:nvGrpSpPr>
-        <p:cNvPr id="1" name=""/>
-        <p:cNvGrpSpPr/>
-        <p:nvPr/>
-      </p:nvGrpSpPr>
-      <p:grpSpPr>
-        <a:xfrm>
-          <a:off x="0" y="0"/>
-          <a:ext cx="0" cy="0"/>
-          <a:chOff x="0" y="0"/>
-          <a:chExt cx="0" cy="0"/>
-        </a:xfrm>
-      </p:grpSpPr>
       <p:sp>
         <p:nvSpPr>
           <p:cNvPr id="2" name="Title 1">
